--- a/SOCIAL MEDIA ANALYSIS.pptx
+++ b/SOCIAL MEDIA ANALYSIS.pptx
@@ -107,6 +107,23 @@
       </a:defRPr>
     </a:lvl9pPr>
   </p:defaultTextStyle>
+  <p:extLst>
+    <p:ext uri="{521415D9-36F7-43E2-AB2F-B90AF26B5E84}">
+      <p14:sectionLst xmlns:p14="http://schemas.microsoft.com/office/powerpoint/2010/main">
+        <p14:section name="Untitled Section" id="{6D399B4A-394E-40B2-B681-22466FCE2A2E}">
+          <p14:sldIdLst>
+            <p14:sldId id="256"/>
+            <p14:sldId id="257"/>
+            <p14:sldId id="258"/>
+            <p14:sldId id="259"/>
+          </p14:sldIdLst>
+        </p14:section>
+      </p14:sectionLst>
+    </p:ext>
+    <p:ext uri="{EFAFB233-063F-42B5-8137-9DF3F51BA10A}">
+      <p15:sldGuideLst xmlns:p15="http://schemas.microsoft.com/office/powerpoint/2012/main"/>
+    </p:ext>
+  </p:extLst>
 </p:presentation>
 </file>
 
@@ -241,7 +258,7 @@
           <a:p>
             <a:fld id="{562E53B5-C922-474C-BA2C-BBBFB5AD861E}" type="datetimeFigureOut">
               <a:rPr lang="en-IN" smtClean="0"/>
-              <a:t>10-09-2023</a:t>
+              <a:t>11-09-2023</a:t>
             </a:fld>
             <a:endParaRPr lang="en-IN"/>
           </a:p>
@@ -411,7 +428,7 @@
           <a:p>
             <a:fld id="{562E53B5-C922-474C-BA2C-BBBFB5AD861E}" type="datetimeFigureOut">
               <a:rPr lang="en-IN" smtClean="0"/>
-              <a:t>10-09-2023</a:t>
+              <a:t>11-09-2023</a:t>
             </a:fld>
             <a:endParaRPr lang="en-IN"/>
           </a:p>
@@ -591,7 +608,7 @@
           <a:p>
             <a:fld id="{562E53B5-C922-474C-BA2C-BBBFB5AD861E}" type="datetimeFigureOut">
               <a:rPr lang="en-IN" smtClean="0"/>
-              <a:t>10-09-2023</a:t>
+              <a:t>11-09-2023</a:t>
             </a:fld>
             <a:endParaRPr lang="en-IN"/>
           </a:p>
@@ -761,7 +778,7 @@
           <a:p>
             <a:fld id="{562E53B5-C922-474C-BA2C-BBBFB5AD861E}" type="datetimeFigureOut">
               <a:rPr lang="en-IN" smtClean="0"/>
-              <a:t>10-09-2023</a:t>
+              <a:t>11-09-2023</a:t>
             </a:fld>
             <a:endParaRPr lang="en-IN"/>
           </a:p>
@@ -1007,7 +1024,7 @@
           <a:p>
             <a:fld id="{562E53B5-C922-474C-BA2C-BBBFB5AD861E}" type="datetimeFigureOut">
               <a:rPr lang="en-IN" smtClean="0"/>
-              <a:t>10-09-2023</a:t>
+              <a:t>11-09-2023</a:t>
             </a:fld>
             <a:endParaRPr lang="en-IN"/>
           </a:p>
@@ -1239,7 +1256,7 @@
           <a:p>
             <a:fld id="{562E53B5-C922-474C-BA2C-BBBFB5AD861E}" type="datetimeFigureOut">
               <a:rPr lang="en-IN" smtClean="0"/>
-              <a:t>10-09-2023</a:t>
+              <a:t>11-09-2023</a:t>
             </a:fld>
             <a:endParaRPr lang="en-IN"/>
           </a:p>
@@ -1606,7 +1623,7 @@
           <a:p>
             <a:fld id="{562E53B5-C922-474C-BA2C-BBBFB5AD861E}" type="datetimeFigureOut">
               <a:rPr lang="en-IN" smtClean="0"/>
-              <a:t>10-09-2023</a:t>
+              <a:t>11-09-2023</a:t>
             </a:fld>
             <a:endParaRPr lang="en-IN"/>
           </a:p>
@@ -1724,7 +1741,7 @@
           <a:p>
             <a:fld id="{562E53B5-C922-474C-BA2C-BBBFB5AD861E}" type="datetimeFigureOut">
               <a:rPr lang="en-IN" smtClean="0"/>
-              <a:t>10-09-2023</a:t>
+              <a:t>11-09-2023</a:t>
             </a:fld>
             <a:endParaRPr lang="en-IN"/>
           </a:p>
@@ -1819,7 +1836,7 @@
           <a:p>
             <a:fld id="{562E53B5-C922-474C-BA2C-BBBFB5AD861E}" type="datetimeFigureOut">
               <a:rPr lang="en-IN" smtClean="0"/>
-              <a:t>10-09-2023</a:t>
+              <a:t>11-09-2023</a:t>
             </a:fld>
             <a:endParaRPr lang="en-IN"/>
           </a:p>
@@ -2096,7 +2113,7 @@
           <a:p>
             <a:fld id="{562E53B5-C922-474C-BA2C-BBBFB5AD861E}" type="datetimeFigureOut">
               <a:rPr lang="en-IN" smtClean="0"/>
-              <a:t>10-09-2023</a:t>
+              <a:t>11-09-2023</a:t>
             </a:fld>
             <a:endParaRPr lang="en-IN"/>
           </a:p>
@@ -2349,7 +2366,7 @@
           <a:p>
             <a:fld id="{562E53B5-C922-474C-BA2C-BBBFB5AD861E}" type="datetimeFigureOut">
               <a:rPr lang="en-IN" smtClean="0"/>
-              <a:t>10-09-2023</a:t>
+              <a:t>11-09-2023</a:t>
             </a:fld>
             <a:endParaRPr lang="en-IN"/>
           </a:p>
@@ -2414,9 +2431,25 @@
 <p:sldMaster xmlns:a="http://schemas.openxmlformats.org/drawingml/2006/main" xmlns:r="http://schemas.openxmlformats.org/officeDocument/2006/relationships" xmlns:p="http://schemas.openxmlformats.org/presentationml/2006/main">
   <p:cSld>
     <p:bg>
-      <p:bgRef idx="1001">
-        <a:schemeClr val="bg1"/>
-      </p:bgRef>
+      <p:bgPr>
+        <a:blipFill dpi="0" rotWithShape="1">
+          <a:blip r:embed="rId13">
+            <a:lum/>
+            <a:extLst>
+              <a:ext uri="{BEBA8EAE-BF5A-486C-A8C5-ECC9F3942E4B}">
+                <a14:imgProps xmlns:a14="http://schemas.microsoft.com/office/drawing/2010/main">
+                  <a14:imgLayer r:embed="rId14"/>
+                </a14:imgProps>
+              </a:ext>
+            </a:extLst>
+          </a:blip>
+          <a:srcRect/>
+          <a:stretch>
+            <a:fillRect/>
+          </a:stretch>
+        </a:blipFill>
+        <a:effectLst/>
+      </p:bgPr>
     </p:bg>
     <p:spTree>
       <p:nvGrpSpPr>
@@ -2562,7 +2595,7 @@
           <a:p>
             <a:fld id="{562E53B5-C922-474C-BA2C-BBBFB5AD861E}" type="datetimeFigureOut">
               <a:rPr lang="en-IN" smtClean="0"/>
-              <a:t>10-09-2023</a:t>
+              <a:t>11-09-2023</a:t>
             </a:fld>
             <a:endParaRPr lang="en-IN"/>
           </a:p>
@@ -2990,9 +3023,7 @@
             <a:r>
               <a:rPr lang="en-IN" b="1" dirty="0" smtClean="0">
                 <a:solidFill>
-                  <a:schemeClr val="accent1">
-                    <a:lumMod val="75000"/>
-                  </a:schemeClr>
+                  <a:schemeClr val="bg1"/>
                 </a:solidFill>
                 <a:latin typeface="Arial Black" panose="020B0A04020102020204" pitchFamily="34" charset="0"/>
               </a:rPr>
@@ -3000,9 +3031,7 @@
             </a:r>
             <a:endParaRPr lang="en-IN" b="1" dirty="0">
               <a:solidFill>
-                <a:schemeClr val="accent1">
-                  <a:lumMod val="75000"/>
-                </a:schemeClr>
+                <a:schemeClr val="bg1"/>
               </a:solidFill>
               <a:latin typeface="Arial Black" panose="020B0A04020102020204" pitchFamily="34" charset="0"/>
             </a:endParaRPr>
@@ -3072,6 +3101,21 @@
   <p:clrMapOvr>
     <a:masterClrMapping/>
   </p:clrMapOvr>
+  <mc:AlternateContent xmlns:mc="http://schemas.openxmlformats.org/markup-compatibility/2006" xmlns:p14="http://schemas.microsoft.com/office/powerpoint/2010/main">
+    <mc:Choice Requires="p14">
+      <p:transition p14:dur="0"/>
+    </mc:Choice>
+    <mc:Fallback xmlns="">
+      <p:transition/>
+    </mc:Fallback>
+  </mc:AlternateContent>
+  <p:timing>
+    <p:tnLst>
+      <p:par>
+        <p:cTn id="1" dur="indefinite" restart="never" nodeType="tmRoot"/>
+      </p:par>
+    </p:tnLst>
+  </p:timing>
 </p:sld>
 </file>
 
@@ -3111,11 +3155,17 @@
           <a:p>
             <a:r>
               <a:rPr lang="en-US" sz="3600" b="1" u="sng" dirty="0" smtClean="0">
+                <a:solidFill>
+                  <a:schemeClr val="bg1"/>
+                </a:solidFill>
                 <a:latin typeface="+mn-lt"/>
               </a:rPr>
               <a:t>Description:</a:t>
             </a:r>
             <a:endParaRPr lang="en-IN" sz="3600" b="1" u="sng" dirty="0">
+              <a:solidFill>
+                <a:schemeClr val="bg1"/>
+              </a:solidFill>
               <a:latin typeface="+mn-lt"/>
             </a:endParaRPr>
           </a:p>
@@ -3136,6 +3186,7 @@
             <a:off x="838200" y="1690688"/>
             <a:ext cx="10515600" cy="4486275"/>
           </a:xfrm>
+          <a:noFill/>
         </p:spPr>
         <p:txBody>
           <a:bodyPr>
@@ -3147,7 +3198,11 @@
               <a:buNone/>
             </a:pPr>
             <a:r>
-              <a:rPr lang="en-US" sz="2400" dirty="0" smtClean="0"/>
+              <a:rPr lang="en-US" sz="2400" dirty="0" smtClean="0">
+                <a:solidFill>
+                  <a:schemeClr val="bg1"/>
+                </a:solidFill>
+              </a:rPr>
               <a:t>User analysis is the process by which we track how users engage and interact with our digital product (software or mobile application) in an attempt to derive business insights for marketing, product &amp; development teams.</a:t>
             </a:r>
           </a:p>
@@ -3155,25 +3210,45 @@
             <a:pPr marL="0" indent="0">
               <a:buNone/>
             </a:pPr>
-            <a:endParaRPr lang="en-US" sz="2400" dirty="0" smtClean="0"/>
+            <a:endParaRPr lang="en-US" sz="2400" dirty="0" smtClean="0">
+              <a:solidFill>
+                <a:schemeClr val="bg1"/>
+              </a:solidFill>
+            </a:endParaRPr>
           </a:p>
           <a:p>
             <a:pPr marL="0" indent="0">
               <a:buNone/>
             </a:pPr>
             <a:r>
-              <a:rPr lang="en-US" sz="2400" dirty="0" smtClean="0"/>
+              <a:rPr lang="en-US" sz="2400" dirty="0" smtClean="0">
+                <a:solidFill>
+                  <a:schemeClr val="bg1"/>
+                </a:solidFill>
+              </a:rPr>
               <a:t>These insights are then used by teams across the business to launch a new marketing campaign, decide on features to build for an app, track the success of the app by measuring user engagement and improve the experience altogether while helping the business grow. You are working with the product team of </a:t>
             </a:r>
             <a:r>
-              <a:rPr lang="en-US" sz="2400" dirty="0" err="1" smtClean="0"/>
+              <a:rPr lang="en-US" sz="2400" dirty="0" err="1" smtClean="0">
+                <a:solidFill>
+                  <a:schemeClr val="bg1"/>
+                </a:solidFill>
+              </a:rPr>
               <a:t>Instagram</a:t>
             </a:r>
             <a:r>
-              <a:rPr lang="en-US" sz="2400" dirty="0" smtClean="0"/>
+              <a:rPr lang="en-US" sz="2400" dirty="0" smtClean="0">
+                <a:solidFill>
+                  <a:schemeClr val="bg1"/>
+                </a:solidFill>
+              </a:rPr>
               <a:t> and the product manager has asked you to provide insights on the questions asked by the management team.</a:t>
             </a:r>
-            <a:endParaRPr lang="en-IN" sz="2400" dirty="0"/>
+            <a:endParaRPr lang="en-IN" sz="2400" dirty="0">
+              <a:solidFill>
+                <a:schemeClr val="bg1"/>
+              </a:solidFill>
+            </a:endParaRPr>
           </a:p>
         </p:txBody>
       </p:sp>
@@ -3187,6 +3262,13 @@
   <p:clrMapOvr>
     <a:masterClrMapping/>
   </p:clrMapOvr>
+  <p:timing>
+    <p:tnLst>
+      <p:par>
+        <p:cTn id="1" dur="indefinite" restart="never" nodeType="tmRoot"/>
+      </p:par>
+    </p:tnLst>
+  </p:timing>
 </p:sld>
 </file>
 
@@ -3233,29 +3315,53 @@
               <a:buNone/>
             </a:pPr>
             <a:r>
-              <a:rPr lang="en-US" b="1" dirty="0" smtClean="0"/>
+              <a:rPr lang="en-US" b="1" dirty="0" smtClean="0">
+                <a:solidFill>
+                  <a:schemeClr val="bg1"/>
+                </a:solidFill>
+              </a:rPr>
               <a:t>A) </a:t>
             </a:r>
             <a:r>
-              <a:rPr lang="en-US" b="1" u="sng" dirty="0" smtClean="0"/>
+              <a:rPr lang="en-US" b="1" u="sng" dirty="0" smtClean="0">
+                <a:solidFill>
+                  <a:schemeClr val="bg1"/>
+                </a:solidFill>
+              </a:rPr>
               <a:t>Marketing</a:t>
             </a:r>
             <a:r>
-              <a:rPr lang="en-US" sz="2000" b="1" u="sng" dirty="0" smtClean="0"/>
+              <a:rPr lang="en-US" sz="2000" b="1" u="sng" dirty="0" smtClean="0">
+                <a:solidFill>
+                  <a:schemeClr val="bg1"/>
+                </a:solidFill>
+              </a:rPr>
               <a:t>: </a:t>
             </a:r>
             <a:r>
-              <a:rPr lang="en-US" sz="2000" dirty="0" smtClean="0"/>
+              <a:rPr lang="en-US" sz="2000" dirty="0" smtClean="0">
+                <a:solidFill>
+                  <a:schemeClr val="bg1"/>
+                </a:solidFill>
+              </a:rPr>
               <a:t>The marketing team wants to launch some campaigns, and they need your help with the following –</a:t>
             </a:r>
           </a:p>
           <a:p>
             <a:r>
-              <a:rPr lang="en-US" sz="2000" b="1" dirty="0" smtClean="0"/>
+              <a:rPr lang="en-US" sz="2000" b="1" dirty="0" smtClean="0">
+                <a:solidFill>
+                  <a:schemeClr val="bg1"/>
+                </a:solidFill>
+              </a:rPr>
               <a:t>Rewarding Most Loyal Users:</a:t>
             </a:r>
             <a:r>
-              <a:rPr lang="en-US" sz="2000" dirty="0" smtClean="0"/>
+              <a:rPr lang="en-US" sz="2000" dirty="0" smtClean="0">
+                <a:solidFill>
+                  <a:schemeClr val="bg1"/>
+                </a:solidFill>
+              </a:rPr>
               <a:t> People who have been using the platform for the longest time. </a:t>
             </a:r>
           </a:p>
@@ -3264,25 +3370,45 @@
               <a:buNone/>
             </a:pPr>
             <a:r>
-              <a:rPr lang="en-US" sz="2000" dirty="0" smtClean="0"/>
+              <a:rPr lang="en-US" sz="2000" dirty="0" smtClean="0">
+                <a:solidFill>
+                  <a:schemeClr val="bg1"/>
+                </a:solidFill>
+              </a:rPr>
               <a:t>Your Task: Find the 5 oldest users of the </a:t>
             </a:r>
             <a:r>
-              <a:rPr lang="en-US" sz="2000" dirty="0" err="1" smtClean="0"/>
+              <a:rPr lang="en-US" sz="2000" dirty="0" err="1" smtClean="0">
+                <a:solidFill>
+                  <a:schemeClr val="bg1"/>
+                </a:solidFill>
+              </a:rPr>
               <a:t>Instagram</a:t>
             </a:r>
             <a:r>
-              <a:rPr lang="en-US" sz="2000" dirty="0" smtClean="0"/>
+              <a:rPr lang="en-US" sz="2000" dirty="0" smtClean="0">
+                <a:solidFill>
+                  <a:schemeClr val="bg1"/>
+                </a:solidFill>
+              </a:rPr>
               <a:t> from the database provided.</a:t>
             </a:r>
           </a:p>
           <a:p>
             <a:r>
-              <a:rPr lang="en-US" sz="2000" b="1" dirty="0" smtClean="0"/>
+              <a:rPr lang="en-US" sz="2000" b="1" dirty="0" smtClean="0">
+                <a:solidFill>
+                  <a:schemeClr val="bg1"/>
+                </a:solidFill>
+              </a:rPr>
               <a:t>Remind Inactive Users to Start Posting: </a:t>
             </a:r>
             <a:r>
-              <a:rPr lang="en-US" sz="2000" dirty="0" smtClean="0"/>
+              <a:rPr lang="en-US" sz="2000" dirty="0" smtClean="0">
+                <a:solidFill>
+                  <a:schemeClr val="bg1"/>
+                </a:solidFill>
+              </a:rPr>
               <a:t>By sending them promotional emails to post their 1st photo. </a:t>
             </a:r>
           </a:p>
@@ -3291,25 +3417,45 @@
               <a:buNone/>
             </a:pPr>
             <a:r>
-              <a:rPr lang="en-US" sz="2000" dirty="0" smtClean="0"/>
+              <a:rPr lang="en-US" sz="2000" dirty="0" smtClean="0">
+                <a:solidFill>
+                  <a:schemeClr val="bg1"/>
+                </a:solidFill>
+              </a:rPr>
               <a:t>Your Task: Find the users who have never posted a single photo on </a:t>
             </a:r>
             <a:r>
-              <a:rPr lang="en-US" sz="2000" dirty="0" err="1" smtClean="0"/>
+              <a:rPr lang="en-US" sz="2000" dirty="0" err="1" smtClean="0">
+                <a:solidFill>
+                  <a:schemeClr val="bg1"/>
+                </a:solidFill>
+              </a:rPr>
               <a:t>Instagram</a:t>
             </a:r>
             <a:r>
-              <a:rPr lang="en-US" sz="2000" dirty="0" smtClean="0"/>
+              <a:rPr lang="en-US" sz="2000" dirty="0" smtClean="0">
+                <a:solidFill>
+                  <a:schemeClr val="bg1"/>
+                </a:solidFill>
+              </a:rPr>
               <a:t>.</a:t>
             </a:r>
           </a:p>
           <a:p>
             <a:r>
-              <a:rPr lang="en-US" sz="2000" b="1" dirty="0" smtClean="0"/>
+              <a:rPr lang="en-US" sz="2000" b="1" dirty="0" smtClean="0">
+                <a:solidFill>
+                  <a:schemeClr val="bg1"/>
+                </a:solidFill>
+              </a:rPr>
               <a:t>Declaring Contest Winner: </a:t>
             </a:r>
             <a:r>
-              <a:rPr lang="en-US" sz="2000" dirty="0" smtClean="0"/>
+              <a:rPr lang="en-US" sz="2000" dirty="0" smtClean="0">
+                <a:solidFill>
+                  <a:schemeClr val="bg1"/>
+                </a:solidFill>
+              </a:rPr>
               <a:t>The team started a contest and the user who gets the most likes on a single photo will win the contest now they wish to declare the winner. </a:t>
             </a:r>
           </a:p>
@@ -3318,17 +3464,29 @@
               <a:buNone/>
             </a:pPr>
             <a:r>
-              <a:rPr lang="en-US" sz="2000" dirty="0" smtClean="0"/>
+              <a:rPr lang="en-US" sz="2000" dirty="0" smtClean="0">
+                <a:solidFill>
+                  <a:schemeClr val="bg1"/>
+                </a:solidFill>
+              </a:rPr>
               <a:t>Your Task: Identify the winner of the contest and provide their details to the team.</a:t>
             </a:r>
           </a:p>
           <a:p>
             <a:r>
-              <a:rPr lang="en-US" sz="2000" b="1" dirty="0" smtClean="0"/>
+              <a:rPr lang="en-US" sz="2000" b="1" dirty="0" smtClean="0">
+                <a:solidFill>
+                  <a:schemeClr val="bg1"/>
+                </a:solidFill>
+              </a:rPr>
               <a:t>Hashtag Researching: </a:t>
             </a:r>
             <a:r>
-              <a:rPr lang="en-US" sz="2000" dirty="0" smtClean="0"/>
+              <a:rPr lang="en-US" sz="2000" dirty="0" smtClean="0">
+                <a:solidFill>
+                  <a:schemeClr val="bg1"/>
+                </a:solidFill>
+              </a:rPr>
               <a:t>A partner brand wants to know, which hashtags to use in the post to reach the most people on the platform.</a:t>
             </a:r>
           </a:p>
@@ -3337,17 +3495,29 @@
               <a:buNone/>
             </a:pPr>
             <a:r>
-              <a:rPr lang="en-US" sz="2000" dirty="0" smtClean="0"/>
+              <a:rPr lang="en-US" sz="2000" dirty="0" smtClean="0">
+                <a:solidFill>
+                  <a:schemeClr val="bg1"/>
+                </a:solidFill>
+              </a:rPr>
               <a:t>Your Task: Identify and suggest the top 5 most commonly used hashtags on the platform.</a:t>
             </a:r>
           </a:p>
           <a:p>
             <a:r>
-              <a:rPr lang="en-US" sz="2000" b="1" dirty="0" smtClean="0"/>
+              <a:rPr lang="en-US" sz="2000" b="1" dirty="0" smtClean="0">
+                <a:solidFill>
+                  <a:schemeClr val="bg1"/>
+                </a:solidFill>
+              </a:rPr>
               <a:t>Launch AD Campaign: </a:t>
             </a:r>
             <a:r>
-              <a:rPr lang="en-US" sz="2000" dirty="0" smtClean="0"/>
+              <a:rPr lang="en-US" sz="2000" dirty="0" smtClean="0">
+                <a:solidFill>
+                  <a:schemeClr val="bg1"/>
+                </a:solidFill>
+              </a:rPr>
               <a:t>The team wants to know, which day would be the best day to launc1 ADS. </a:t>
             </a:r>
           </a:p>
@@ -3356,10 +3526,18 @@
               <a:buNone/>
             </a:pPr>
             <a:r>
-              <a:rPr lang="en-US" sz="2000" dirty="0" smtClean="0"/>
+              <a:rPr lang="en-US" sz="2000" dirty="0" smtClean="0">
+                <a:solidFill>
+                  <a:schemeClr val="bg1"/>
+                </a:solidFill>
+              </a:rPr>
               <a:t>Your Task: What day of the week do most users register on? Provide insights on when to schedule an ad campaign</a:t>
             </a:r>
-            <a:endParaRPr lang="en-IN" sz="2000" dirty="0"/>
+            <a:endParaRPr lang="en-IN" sz="2000" dirty="0">
+              <a:solidFill>
+                <a:schemeClr val="bg1"/>
+              </a:solidFill>
+            </a:endParaRPr>
           </a:p>
         </p:txBody>
       </p:sp>
@@ -3373,6 +3551,13 @@
   <p:clrMapOvr>
     <a:masterClrMapping/>
   </p:clrMapOvr>
+  <p:timing>
+    <p:tnLst>
+      <p:par>
+        <p:cTn id="1" dur="indefinite" restart="never" nodeType="tmRoot"/>
+      </p:par>
+    </p:tnLst>
+  </p:timing>
 </p:sld>
 </file>
 
@@ -3405,8 +3590,8 @@
         </p:nvSpPr>
         <p:spPr>
           <a:xfrm>
-            <a:off x="838200" y="721217"/>
-            <a:ext cx="10515600" cy="5215944"/>
+            <a:off x="838200" y="492369"/>
+            <a:ext cx="10515600" cy="5444792"/>
           </a:xfrm>
         </p:spPr>
         <p:txBody>
@@ -3419,11 +3604,19 @@
               <a:buNone/>
             </a:pPr>
             <a:r>
-              <a:rPr lang="en-US" b="1" dirty="0" smtClean="0"/>
+              <a:rPr lang="en-US" b="1" dirty="0" smtClean="0">
+                <a:solidFill>
+                  <a:schemeClr val="bg1"/>
+                </a:solidFill>
+              </a:rPr>
               <a:t>B) </a:t>
             </a:r>
             <a:r>
-              <a:rPr lang="en-US" b="1" u="sng" dirty="0" smtClean="0"/>
+              <a:rPr lang="en-US" b="1" u="sng" dirty="0" smtClean="0">
+                <a:solidFill>
+                  <a:schemeClr val="bg1"/>
+                </a:solidFill>
+              </a:rPr>
               <a:t>Investor Metrics: </a:t>
             </a:r>
           </a:p>
@@ -3432,15 +3625,27 @@
               <a:buNone/>
             </a:pPr>
             <a:r>
-              <a:rPr lang="en-US" sz="2200" dirty="0" smtClean="0"/>
+              <a:rPr lang="en-US" sz="2200" dirty="0" smtClean="0">
+                <a:solidFill>
+                  <a:schemeClr val="bg1"/>
+                </a:solidFill>
+              </a:rPr>
               <a:t>Our investors want to know if </a:t>
             </a:r>
             <a:r>
-              <a:rPr lang="en-US" sz="2200" dirty="0" err="1" smtClean="0"/>
+              <a:rPr lang="en-US" sz="2200" dirty="0" err="1" smtClean="0">
+                <a:solidFill>
+                  <a:schemeClr val="bg1"/>
+                </a:solidFill>
+              </a:rPr>
               <a:t>Instagram</a:t>
             </a:r>
             <a:r>
-              <a:rPr lang="en-US" sz="2200" dirty="0" smtClean="0"/>
+              <a:rPr lang="en-US" sz="2200" dirty="0" smtClean="0">
+                <a:solidFill>
+                  <a:schemeClr val="bg1"/>
+                </a:solidFill>
+              </a:rPr>
               <a:t> is performing well and is not becoming redundant like Facebook, they want to assess the app on the following grounds.</a:t>
             </a:r>
           </a:p>
@@ -3448,23 +3653,43 @@
             <a:pPr marL="0" indent="0">
               <a:buNone/>
             </a:pPr>
-            <a:endParaRPr lang="en-US" sz="2200" dirty="0" smtClean="0"/>
-          </a:p>
-          <a:p>
-            <a:r>
-              <a:rPr lang="en-US" sz="2200" b="1" dirty="0" smtClean="0"/>
+            <a:endParaRPr lang="en-US" sz="2200" dirty="0" smtClean="0">
+              <a:solidFill>
+                <a:schemeClr val="bg1"/>
+              </a:solidFill>
+            </a:endParaRPr>
+          </a:p>
+          <a:p>
+            <a:r>
+              <a:rPr lang="en-US" sz="2200" b="1" dirty="0" smtClean="0">
+                <a:solidFill>
+                  <a:schemeClr val="bg1"/>
+                </a:solidFill>
+              </a:rPr>
               <a:t>User Engagement:</a:t>
             </a:r>
             <a:r>
-              <a:rPr lang="en-US" sz="2200" dirty="0" smtClean="0"/>
+              <a:rPr lang="en-US" sz="2200" dirty="0" smtClean="0">
+                <a:solidFill>
+                  <a:schemeClr val="bg1"/>
+                </a:solidFill>
+              </a:rPr>
               <a:t> Are users still as active and post on </a:t>
             </a:r>
             <a:r>
-              <a:rPr lang="en-US" sz="2200" dirty="0" err="1" smtClean="0"/>
+              <a:rPr lang="en-US" sz="2200" dirty="0" err="1" smtClean="0">
+                <a:solidFill>
+                  <a:schemeClr val="bg1"/>
+                </a:solidFill>
+              </a:rPr>
               <a:t>Instagram</a:t>
             </a:r>
             <a:r>
-              <a:rPr lang="en-US" sz="2200" dirty="0" smtClean="0"/>
+              <a:rPr lang="en-US" sz="2200" dirty="0" smtClean="0">
+                <a:solidFill>
+                  <a:schemeClr val="bg1"/>
+                </a:solidFill>
+              </a:rPr>
               <a:t> or they are making fewer posts.</a:t>
             </a:r>
           </a:p>
@@ -3473,33 +3698,61 @@
               <a:buNone/>
             </a:pPr>
             <a:r>
-              <a:rPr lang="en-US" sz="2200" dirty="0" smtClean="0"/>
+              <a:rPr lang="en-US" sz="2200" dirty="0" smtClean="0">
+                <a:solidFill>
+                  <a:schemeClr val="bg1"/>
+                </a:solidFill>
+              </a:rPr>
               <a:t>Your Task: Provide how many times does average user posts on </a:t>
             </a:r>
             <a:r>
-              <a:rPr lang="en-US" sz="2200" dirty="0" err="1" smtClean="0"/>
+              <a:rPr lang="en-US" sz="2200" dirty="0" err="1" smtClean="0">
+                <a:solidFill>
+                  <a:schemeClr val="bg1"/>
+                </a:solidFill>
+              </a:rPr>
               <a:t>Instagram</a:t>
             </a:r>
             <a:r>
-              <a:rPr lang="en-US" sz="2200" dirty="0" smtClean="0"/>
+              <a:rPr lang="en-US" sz="2200" dirty="0" smtClean="0">
+                <a:solidFill>
+                  <a:schemeClr val="bg1"/>
+                </a:solidFill>
+              </a:rPr>
               <a:t>. Also, provide the total number of photos on </a:t>
             </a:r>
             <a:r>
-              <a:rPr lang="en-US" sz="2200" dirty="0" err="1" smtClean="0"/>
+              <a:rPr lang="en-US" sz="2200" dirty="0" err="1" smtClean="0">
+                <a:solidFill>
+                  <a:schemeClr val="bg1"/>
+                </a:solidFill>
+              </a:rPr>
               <a:t>Instagram</a:t>
             </a:r>
             <a:r>
-              <a:rPr lang="en-US" sz="2200" dirty="0" smtClean="0"/>
+              <a:rPr lang="en-US" sz="2200" dirty="0" smtClean="0">
+                <a:solidFill>
+                  <a:schemeClr val="bg1"/>
+                </a:solidFill>
+              </a:rPr>
               <a:t>/total number of users.</a:t>
             </a:r>
           </a:p>
           <a:p>
             <a:r>
-              <a:rPr lang="en-US" sz="2200" b="1" dirty="0" smtClean="0"/>
+              <a:rPr lang="en-US" sz="2200" b="1" dirty="0" smtClean="0">
+                <a:solidFill>
+                  <a:schemeClr val="bg1"/>
+                </a:solidFill>
+              </a:rPr>
               <a:t>Bots &amp; Fake Accounts: </a:t>
             </a:r>
             <a:r>
-              <a:rPr lang="en-US" sz="2200" dirty="0" smtClean="0"/>
+              <a:rPr lang="en-US" sz="2200" dirty="0" smtClean="0">
+                <a:solidFill>
+                  <a:schemeClr val="bg1"/>
+                </a:solidFill>
+              </a:rPr>
               <a:t>The investors want to know if the platform is crowded with fake and dummy accounts.</a:t>
             </a:r>
           </a:p>
@@ -3508,10 +3761,18 @@
               <a:buNone/>
             </a:pPr>
             <a:r>
-              <a:rPr lang="en-US" sz="2200" dirty="0" smtClean="0"/>
+              <a:rPr lang="en-US" sz="2200" dirty="0" smtClean="0">
+                <a:solidFill>
+                  <a:schemeClr val="bg1"/>
+                </a:solidFill>
+              </a:rPr>
               <a:t>Your Task: Provide data on users (bots) who have liked every single photo on the site (since any normal user would not be able to do this</a:t>
             </a:r>
-            <a:endParaRPr lang="en-IN" sz="2200" dirty="0"/>
+            <a:endParaRPr lang="en-IN" sz="2200" dirty="0">
+              <a:solidFill>
+                <a:schemeClr val="bg1"/>
+              </a:solidFill>
+            </a:endParaRPr>
           </a:p>
         </p:txBody>
       </p:sp>
@@ -3525,6 +3786,13 @@
   <p:clrMapOvr>
     <a:masterClrMapping/>
   </p:clrMapOvr>
+  <p:timing>
+    <p:tnLst>
+      <p:par>
+        <p:cTn id="1" dur="indefinite" restart="never" nodeType="tmRoot"/>
+      </p:par>
+    </p:tnLst>
+  </p:timing>
 </p:sld>
 </file>
 
